--- a/source/2002-gpt.pptx
+++ b/source/2002-gpt.pptx
@@ -5,14 +5,15 @@
     <p:sldMasterId id="2147483648" r:id="rId1"/>
   </p:sldMasterIdLst>
   <p:notesMasterIdLst>
-    <p:notesMasterId r:id="rId5"/>
+    <p:notesMasterId r:id="rId6"/>
   </p:notesMasterIdLst>
   <p:handoutMasterIdLst>
-    <p:handoutMasterId r:id="rId6"/>
+    <p:handoutMasterId r:id="rId7"/>
   </p:handoutMasterIdLst>
   <p:sldIdLst>
     <p:sldId id="256" r:id="rId3"/>
     <p:sldId id="260" r:id="rId4"/>
+    <p:sldId id="261" r:id="rId5"/>
   </p:sldIdLst>
   <p:sldSz cx="12192000" cy="6858000"/>
   <p:notesSz cx="7103745" cy="10234295"/>
@@ -3547,10 +3548,10 @@
           </a:bodyPr>
           <a:p>
             <a:r>
-              <a:rPr lang="" altLang="en-US" sz="4000"/>
+              <a:rPr lang="en-US" altLang="en-US" sz="4000"/>
               <a:t>GPT-2 language model</a:t>
             </a:r>
-            <a:endParaRPr lang="" altLang="en-US" sz="4000"/>
+            <a:endParaRPr lang="en-US" altLang="en-US" sz="4000"/>
           </a:p>
         </p:txBody>
       </p:sp>
@@ -3605,35 +3606,101 @@
           <a:bodyPr/>
           <a:p>
             <a:r>
+              <a:rPr lang="en-US" altLang="en-US"/>
+              <a:t>GPT objective </a:t>
+            </a:r>
+            <a:endParaRPr lang="en-US" altLang="en-US"/>
+          </a:p>
+        </p:txBody>
+      </p:sp>
+      <p:sp>
+        <p:nvSpPr>
+          <p:cNvPr id="3" name="Content Placeholder 2"/>
+          <p:cNvSpPr>
+            <a:spLocks noGrp="true"/>
+          </p:cNvSpPr>
+          <p:nvPr>
+            <p:ph idx="1"/>
+          </p:nvPr>
+        </p:nvSpPr>
+        <p:spPr/>
+        <p:txBody>
+          <a:bodyPr/>
+          <a:p>
+            <a:r>
+              <a:rPr lang="en-US" altLang="en-US"/>
+              <a:t>maximise next word given last K as context</a:t>
+            </a:r>
+            <a:endParaRPr lang="en-US" altLang="en-US"/>
+          </a:p>
+        </p:txBody>
+      </p:sp>
+    </p:spTree>
+  </p:cSld>
+  <p:clrMapOvr>
+    <a:masterClrMapping/>
+  </p:clrMapOvr>
+</p:sld>
+</file>
+
+<file path=ppt/slides/slide3.xml><?xml version="1.0" encoding="utf-8"?>
+<p:sld xmlns:a="http://schemas.openxmlformats.org/drawingml/2006/main" xmlns:r="http://schemas.openxmlformats.org/officeDocument/2006/relationships" xmlns:p="http://schemas.openxmlformats.org/presentationml/2006/main">
+  <p:cSld>
+    <p:spTree>
+      <p:nvGrpSpPr>
+        <p:cNvPr id="1" name=""/>
+        <p:cNvGrpSpPr/>
+        <p:nvPr/>
+      </p:nvGrpSpPr>
+      <p:grpSpPr/>
+      <p:sp>
+        <p:nvSpPr>
+          <p:cNvPr id="2" name="Title 1"/>
+          <p:cNvSpPr>
+            <a:spLocks noGrp="true"/>
+          </p:cNvSpPr>
+          <p:nvPr>
+            <p:ph type="title"/>
+          </p:nvPr>
+        </p:nvSpPr>
+        <p:spPr/>
+        <p:txBody>
+          <a:bodyPr/>
+          <a:p>
+            <a:r>
               <a:rPr lang="" altLang="en-US"/>
-              <a:t>GPT objective </a:t>
+              <a:t>BertApproximation Experiment</a:t>
             </a:r>
             <a:endParaRPr lang="" altLang="en-US"/>
           </a:p>
         </p:txBody>
       </p:sp>
-      <p:sp>
-        <p:nvSpPr>
-          <p:cNvPr id="3" name="Content Placeholder 2"/>
-          <p:cNvSpPr>
-            <a:spLocks noGrp="true"/>
-          </p:cNvSpPr>
+      <p:pic>
+        <p:nvPicPr>
+          <p:cNvPr id="4" name="Content Placeholder 3"/>
+          <p:cNvPicPr>
+            <a:picLocks noChangeAspect="true"/>
+          </p:cNvPicPr>
           <p:nvPr>
             <p:ph idx="1"/>
           </p:nvPr>
-        </p:nvSpPr>
-        <p:spPr/>
-        <p:txBody>
-          <a:bodyPr/>
-          <a:p>
-            <a:r>
-              <a:rPr lang="" altLang="en-US"/>
-              <a:t>maximise next word given last K as context</a:t>
-            </a:r>
-            <a:endParaRPr lang="" altLang="en-US"/>
-          </a:p>
-        </p:txBody>
-      </p:sp>
+        </p:nvPicPr>
+        <p:blipFill>
+          <a:blip r:embed="rId1"/>
+          <a:stretch>
+            <a:fillRect/>
+          </a:stretch>
+        </p:blipFill>
+        <p:spPr>
+          <a:xfrm>
+            <a:off x="3729355" y="1825625"/>
+            <a:ext cx="4351655" cy="4351655"/>
+          </a:xfrm>
+          <a:prstGeom prst="rect">
+            <a:avLst/>
+          </a:prstGeom>
+        </p:spPr>
+      </p:pic>
     </p:spTree>
   </p:cSld>
   <p:clrMapOvr>
